--- a/well, this is mine/presentation/remake to mine presentation/presentation.pptx
+++ b/well, this is mine/presentation/remake to mine presentation/presentation.pptx
@@ -12,13 +12,15 @@
     <p:sldId id="260" r:id="rId6"/>
     <p:sldId id="261" r:id="rId7"/>
     <p:sldId id="262" r:id="rId8"/>
-    <p:sldId id="263" r:id="rId9"/>
-    <p:sldId id="264" r:id="rId10"/>
-    <p:sldId id="265" r:id="rId11"/>
-    <p:sldId id="266" r:id="rId12"/>
-    <p:sldId id="267" r:id="rId13"/>
-    <p:sldId id="268" r:id="rId14"/>
-    <p:sldId id="270" r:id="rId15"/>
+    <p:sldId id="271" r:id="rId9"/>
+    <p:sldId id="263" r:id="rId10"/>
+    <p:sldId id="264" r:id="rId11"/>
+    <p:sldId id="272" r:id="rId12"/>
+    <p:sldId id="265" r:id="rId13"/>
+    <p:sldId id="266" r:id="rId14"/>
+    <p:sldId id="267" r:id="rId15"/>
+    <p:sldId id="268" r:id="rId16"/>
+    <p:sldId id="270" r:id="rId17"/>
   </p:sldIdLst>
   <p:sldSz cx="12192000" cy="6858000"/>
   <p:notesSz cx="6858000" cy="9144000"/>
@@ -949,6 +951,13 @@
         </dgm:presLayoutVars>
       </dgm:prSet>
       <dgm:spPr/>
+      <dgm:t>
+        <a:bodyPr/>
+        <a:lstStyle/>
+        <a:p>
+          <a:endParaRPr lang="ru-RU"/>
+        </a:p>
+      </dgm:t>
     </dgm:pt>
     <dgm:pt modelId="{E95DA90B-E954-480F-96F2-CB050578DE16}" type="pres">
       <dgm:prSet presAssocID="{768CB630-8F73-4017-BF76-F19BB2081003}" presName="node" presStyleLbl="node1" presStyleIdx="0" presStyleCnt="1">
@@ -957,6 +966,13 @@
         </dgm:presLayoutVars>
       </dgm:prSet>
       <dgm:spPr/>
+      <dgm:t>
+        <a:bodyPr/>
+        <a:lstStyle/>
+        <a:p>
+          <a:endParaRPr lang="ru-RU"/>
+        </a:p>
+      </dgm:t>
     </dgm:pt>
   </dgm:ptLst>
   <dgm:cxnLst>
@@ -2427,7 +2443,7 @@
             <a:fld id="{B61BEF0D-F0BB-DE4B-95CE-6DB70DBA9567}" type="datetimeFigureOut">
               <a:rPr lang="en-US" smtClean="0"/>
               <a:pPr/>
-              <a:t>4/25/2023</a:t>
+              <a:t>4/26/2023</a:t>
             </a:fld>
             <a:endParaRPr lang="en-US" dirty="0"/>
           </a:p>
@@ -2704,7 +2720,7 @@
             <a:fld id="{B61BEF0D-F0BB-DE4B-95CE-6DB70DBA9567}" type="datetimeFigureOut">
               <a:rPr lang="en-US" smtClean="0"/>
               <a:pPr/>
-              <a:t>4/25/2023</a:t>
+              <a:t>4/26/2023</a:t>
             </a:fld>
             <a:endParaRPr lang="en-US" dirty="0"/>
           </a:p>
@@ -2900,7 +2916,7 @@
             <a:fld id="{B61BEF0D-F0BB-DE4B-95CE-6DB70DBA9567}" type="datetimeFigureOut">
               <a:rPr lang="en-US" smtClean="0"/>
               <a:pPr/>
-              <a:t>4/25/2023</a:t>
+              <a:t>4/26/2023</a:t>
             </a:fld>
             <a:endParaRPr lang="en-US" dirty="0"/>
           </a:p>
@@ -3175,7 +3191,7 @@
             <a:fld id="{B61BEF0D-F0BB-DE4B-95CE-6DB70DBA9567}" type="datetimeFigureOut">
               <a:rPr lang="en-US" smtClean="0"/>
               <a:pPr/>
-              <a:t>4/25/2023</a:t>
+              <a:t>4/26/2023</a:t>
             </a:fld>
             <a:endParaRPr lang="en-US" dirty="0"/>
           </a:p>
@@ -3518,7 +3534,7 @@
             <a:fld id="{B61BEF0D-F0BB-DE4B-95CE-6DB70DBA9567}" type="datetimeFigureOut">
               <a:rPr lang="en-US" smtClean="0"/>
               <a:pPr/>
-              <a:t>4/25/2023</a:t>
+              <a:t>4/26/2023</a:t>
             </a:fld>
             <a:endParaRPr lang="en-US" dirty="0"/>
           </a:p>
@@ -4143,7 +4159,7 @@
             <a:fld id="{B61BEF0D-F0BB-DE4B-95CE-6DB70DBA9567}" type="datetimeFigureOut">
               <a:rPr lang="en-US" smtClean="0"/>
               <a:pPr/>
-              <a:t>4/25/2023</a:t>
+              <a:t>4/26/2023</a:t>
             </a:fld>
             <a:endParaRPr lang="en-US" dirty="0"/>
           </a:p>
@@ -5005,7 +5021,7 @@
             <a:fld id="{B61BEF0D-F0BB-DE4B-95CE-6DB70DBA9567}" type="datetimeFigureOut">
               <a:rPr lang="en-US" smtClean="0"/>
               <a:pPr/>
-              <a:t>4/25/2023</a:t>
+              <a:t>4/26/2023</a:t>
             </a:fld>
             <a:endParaRPr lang="en-US" dirty="0"/>
           </a:p>
@@ -5176,7 +5192,7 @@
           <a:p>
             <a:fld id="{55C6B4A9-1611-4792-9094-5F34BCA07E0B}" type="datetimeFigureOut">
               <a:rPr lang="en-US" smtClean="0"/>
-              <a:t>4/25/2023</a:t>
+              <a:t>4/26/2023</a:t>
             </a:fld>
             <a:endParaRPr lang="en-US" dirty="0"/>
           </a:p>
@@ -5357,7 +5373,7 @@
             <a:fld id="{B61BEF0D-F0BB-DE4B-95CE-6DB70DBA9567}" type="datetimeFigureOut">
               <a:rPr lang="en-US" smtClean="0"/>
               <a:pPr/>
-              <a:t>4/25/2023</a:t>
+              <a:t>4/26/2023</a:t>
             </a:fld>
             <a:endParaRPr lang="en-US" dirty="0"/>
           </a:p>
@@ -5528,7 +5544,7 @@
           <a:p>
             <a:fld id="{42A54C80-263E-416B-A8E0-580EDEADCBDC}" type="datetimeFigureOut">
               <a:rPr lang="en-US" smtClean="0"/>
-              <a:t>4/25/2023</a:t>
+              <a:t>4/26/2023</a:t>
             </a:fld>
             <a:endParaRPr lang="en-US" dirty="0"/>
           </a:p>
@@ -5776,7 +5792,7 @@
             <a:fld id="{B61BEF0D-F0BB-DE4B-95CE-6DB70DBA9567}" type="datetimeFigureOut">
               <a:rPr lang="en-US" smtClean="0"/>
               <a:pPr/>
-              <a:t>4/25/2023</a:t>
+              <a:t>4/26/2023</a:t>
             </a:fld>
             <a:endParaRPr lang="en-US" dirty="0"/>
           </a:p>
@@ -6069,7 +6085,7 @@
           <a:p>
             <a:fld id="{42A54C80-263E-416B-A8E0-580EDEADCBDC}" type="datetimeFigureOut">
               <a:rPr lang="en-US" smtClean="0"/>
-              <a:t>4/25/2023</a:t>
+              <a:t>4/26/2023</a:t>
             </a:fld>
             <a:endParaRPr lang="en-US" dirty="0"/>
           </a:p>
@@ -6514,7 +6530,7 @@
             <a:fld id="{B61BEF0D-F0BB-DE4B-95CE-6DB70DBA9567}" type="datetimeFigureOut">
               <a:rPr lang="en-US" smtClean="0"/>
               <a:pPr/>
-              <a:t>4/25/2023</a:t>
+              <a:t>4/26/2023</a:t>
             </a:fld>
             <a:endParaRPr lang="en-US" dirty="0"/>
           </a:p>
@@ -6634,7 +6650,7 @@
             <a:fld id="{B61BEF0D-F0BB-DE4B-95CE-6DB70DBA9567}" type="datetimeFigureOut">
               <a:rPr lang="en-US" smtClean="0"/>
               <a:pPr/>
-              <a:t>4/25/2023</a:t>
+              <a:t>4/26/2023</a:t>
             </a:fld>
             <a:endParaRPr lang="en-US" dirty="0"/>
           </a:p>
@@ -6731,7 +6747,7 @@
             <a:fld id="{B61BEF0D-F0BB-DE4B-95CE-6DB70DBA9567}" type="datetimeFigureOut">
               <a:rPr lang="en-US" smtClean="0"/>
               <a:pPr/>
-              <a:t>4/25/2023</a:t>
+              <a:t>4/26/2023</a:t>
             </a:fld>
             <a:endParaRPr lang="en-US" dirty="0"/>
           </a:p>
@@ -7011,7 +7027,7 @@
           <a:p>
             <a:fld id="{42A54C80-263E-416B-A8E0-580EDEADCBDC}" type="datetimeFigureOut">
               <a:rPr lang="en-US" smtClean="0"/>
-              <a:t>4/25/2023</a:t>
+              <a:t>4/26/2023</a:t>
             </a:fld>
             <a:endParaRPr lang="en-US" dirty="0"/>
           </a:p>
@@ -7287,7 +7303,7 @@
             <a:fld id="{B61BEF0D-F0BB-DE4B-95CE-6DB70DBA9567}" type="datetimeFigureOut">
               <a:rPr lang="en-US" smtClean="0"/>
               <a:pPr/>
-              <a:t>4/25/2023</a:t>
+              <a:t>4/26/2023</a:t>
             </a:fld>
             <a:endParaRPr lang="en-US" dirty="0"/>
           </a:p>
@@ -7718,7 +7734,7 @@
             <a:fld id="{B61BEF0D-F0BB-DE4B-95CE-6DB70DBA9567}" type="datetimeFigureOut">
               <a:rPr lang="en-US" smtClean="0"/>
               <a:pPr/>
-              <a:t>4/25/2023</a:t>
+              <a:t>4/26/2023</a:t>
             </a:fld>
             <a:endParaRPr lang="en-US" dirty="0"/>
           </a:p>
@@ -8367,36 +8383,6 @@
           </a:p>
         </p:txBody>
       </p:sp>
-      <p:pic>
-        <p:nvPicPr>
-          <p:cNvPr id="4" name="Изображение 1"/>
-          <p:cNvPicPr/>
-          <p:nvPr/>
-        </p:nvPicPr>
-        <p:blipFill>
-          <a:blip r:embed="rId2" cstate="print"/>
-          <a:srcRect b="42105"/>
-          <a:stretch>
-            <a:fillRect/>
-          </a:stretch>
-        </p:blipFill>
-        <p:spPr bwMode="auto">
-          <a:xfrm>
-            <a:off x="0" y="-31233"/>
-            <a:ext cx="12192000" cy="1753257"/>
-          </a:xfrm>
-          <a:prstGeom prst="rect">
-            <a:avLst/>
-          </a:prstGeom>
-          <a:noFill/>
-          <a:ln w="9525">
-            <a:noFill/>
-            <a:miter lim="800000"/>
-            <a:headEnd/>
-            <a:tailEnd/>
-          </a:ln>
-        </p:spPr>
-      </p:pic>
       <p:sp>
         <p:nvSpPr>
           <p:cNvPr id="5" name="TextBox 4"/>
@@ -8537,6 +8523,41 @@
           </a:p>
         </p:txBody>
       </p:sp>
+      <p:pic>
+        <p:nvPicPr>
+          <p:cNvPr id="7" name="Рисунок 6"/>
+          <p:cNvPicPr/>
+          <p:nvPr/>
+        </p:nvPicPr>
+        <p:blipFill rotWithShape="1">
+          <a:blip r:embed="rId2" cstate="print">
+            <a:extLst>
+              <a:ext uri="{28A0092B-C50C-407E-A947-70E740481C1C}">
+                <a14:useLocalDpi xmlns:a14="http://schemas.microsoft.com/office/drawing/2010/main" val="0"/>
+              </a:ext>
+            </a:extLst>
+          </a:blip>
+          <a:srcRect b="83514"/>
+          <a:stretch/>
+        </p:blipFill>
+        <p:spPr bwMode="auto">
+          <a:xfrm>
+            <a:off x="0" y="-1"/>
+            <a:ext cx="12192000" cy="2106509"/>
+          </a:xfrm>
+          <a:prstGeom prst="rect">
+            <a:avLst/>
+          </a:prstGeom>
+          <a:ln>
+            <a:noFill/>
+          </a:ln>
+          <a:extLst>
+            <a:ext uri="{53640926-AAD7-44D8-BBD7-CCE9431645EC}">
+              <a14:shadowObscured xmlns:a14="http://schemas.microsoft.com/office/drawing/2010/main"/>
+            </a:ext>
+          </a:extLst>
+        </p:spPr>
+      </p:pic>
     </p:spTree>
     <p:extLst>
       <p:ext uri="{BB962C8B-B14F-4D97-AF65-F5344CB8AC3E}">
@@ -8558,6 +8579,187 @@
 </file>
 
 <file path=ppt/slides/slide10.xml><?xml version="1.0" encoding="utf-8"?>
+<p:sld xmlns:a="http://schemas.openxmlformats.org/drawingml/2006/main" xmlns:r="http://schemas.openxmlformats.org/officeDocument/2006/relationships" xmlns:p="http://schemas.openxmlformats.org/presentationml/2006/main">
+  <p:cSld>
+    <p:spTree>
+      <p:nvGrpSpPr>
+        <p:cNvPr id="1" name=""/>
+        <p:cNvGrpSpPr/>
+        <p:nvPr/>
+      </p:nvGrpSpPr>
+      <p:grpSpPr>
+        <a:xfrm>
+          <a:off x="0" y="0"/>
+          <a:ext cx="0" cy="0"/>
+          <a:chOff x="0" y="0"/>
+          <a:chExt cx="0" cy="0"/>
+        </a:xfrm>
+      </p:grpSpPr>
+      <p:sp>
+        <p:nvSpPr>
+          <p:cNvPr id="2" name="Заголовок 1"/>
+          <p:cNvSpPr>
+            <a:spLocks noGrp="1"/>
+          </p:cNvSpPr>
+          <p:nvPr>
+            <p:ph type="title"/>
+          </p:nvPr>
+        </p:nvSpPr>
+        <p:spPr>
+          <a:xfrm>
+            <a:off x="535790" y="325514"/>
+            <a:ext cx="5537035" cy="837460"/>
+          </a:xfrm>
+        </p:spPr>
+        <p:txBody>
+          <a:bodyPr/>
+          <a:lstStyle/>
+          <a:p>
+            <a:r>
+              <a:rPr lang="ru-RU" dirty="0"/>
+              <a:t>Создание форм</a:t>
+            </a:r>
+          </a:p>
+        </p:txBody>
+      </p:sp>
+      <p:pic>
+        <p:nvPicPr>
+          <p:cNvPr id="4" name="Рисунок 3"/>
+          <p:cNvPicPr>
+            <a:picLocks noChangeAspect="1"/>
+          </p:cNvPicPr>
+          <p:nvPr/>
+        </p:nvPicPr>
+        <p:blipFill>
+          <a:blip r:embed="rId2">
+            <a:extLst>
+              <a:ext uri="{28A0092B-C50C-407E-A947-70E740481C1C}">
+                <a14:useLocalDpi xmlns:a14="http://schemas.microsoft.com/office/drawing/2010/main" val="0"/>
+              </a:ext>
+            </a:extLst>
+          </a:blip>
+          <a:stretch>
+            <a:fillRect/>
+          </a:stretch>
+        </p:blipFill>
+        <p:spPr>
+          <a:xfrm>
+            <a:off x="535790" y="1162974"/>
+            <a:ext cx="8120314" cy="4856421"/>
+          </a:xfrm>
+          <a:prstGeom prst="rect">
+            <a:avLst/>
+          </a:prstGeom>
+        </p:spPr>
+      </p:pic>
+    </p:spTree>
+    <p:extLst>
+      <p:ext uri="{BB962C8B-B14F-4D97-AF65-F5344CB8AC3E}">
+        <p14:creationId xmlns:p14="http://schemas.microsoft.com/office/powerpoint/2010/main" val="567988303"/>
+      </p:ext>
+    </p:extLst>
+  </p:cSld>
+  <p:clrMapOvr>
+    <a:masterClrMapping/>
+  </p:clrMapOvr>
+  <p:timing>
+    <p:tnLst>
+      <p:par>
+        <p:cTn id="1" dur="indefinite" restart="never" nodeType="tmRoot"/>
+      </p:par>
+    </p:tnLst>
+  </p:timing>
+</p:sld>
+</file>
+
+<file path=ppt/slides/slide11.xml><?xml version="1.0" encoding="utf-8"?>
+<p:sld xmlns:a="http://schemas.openxmlformats.org/drawingml/2006/main" xmlns:r="http://schemas.openxmlformats.org/officeDocument/2006/relationships" xmlns:p="http://schemas.openxmlformats.org/presentationml/2006/main">
+  <p:cSld>
+    <p:spTree>
+      <p:nvGrpSpPr>
+        <p:cNvPr id="1" name=""/>
+        <p:cNvGrpSpPr/>
+        <p:nvPr/>
+      </p:nvGrpSpPr>
+      <p:grpSpPr>
+        <a:xfrm>
+          <a:off x="0" y="0"/>
+          <a:ext cx="0" cy="0"/>
+          <a:chOff x="0" y="0"/>
+          <a:chExt cx="0" cy="0"/>
+        </a:xfrm>
+      </p:grpSpPr>
+      <p:sp>
+        <p:nvSpPr>
+          <p:cNvPr id="2" name="Заголовок 1"/>
+          <p:cNvSpPr>
+            <a:spLocks noGrp="1"/>
+          </p:cNvSpPr>
+          <p:nvPr>
+            <p:ph type="title"/>
+          </p:nvPr>
+        </p:nvSpPr>
+        <p:spPr>
+          <a:xfrm>
+            <a:off x="423949" y="452718"/>
+            <a:ext cx="9626885" cy="1400530"/>
+          </a:xfrm>
+        </p:spPr>
+        <p:txBody>
+          <a:bodyPr/>
+          <a:lstStyle/>
+          <a:p>
+            <a:r>
+              <a:rPr lang="ru-RU" dirty="0" smtClean="0"/>
+              <a:t>Открытие другой формы в главной</a:t>
+            </a:r>
+            <a:endParaRPr lang="ru-RU" dirty="0"/>
+          </a:p>
+        </p:txBody>
+      </p:sp>
+      <p:pic>
+        <p:nvPicPr>
+          <p:cNvPr id="4" name="Объект 3"/>
+          <p:cNvPicPr>
+            <a:picLocks noGrp="1" noChangeAspect="1"/>
+          </p:cNvPicPr>
+          <p:nvPr>
+            <p:ph idx="1"/>
+          </p:nvPr>
+        </p:nvPicPr>
+        <p:blipFill>
+          <a:blip r:embed="rId2">
+            <a:extLst>
+              <a:ext uri="{28A0092B-C50C-407E-A947-70E740481C1C}">
+                <a14:useLocalDpi xmlns:a14="http://schemas.microsoft.com/office/drawing/2010/main" val="0"/>
+              </a:ext>
+            </a:extLst>
+          </a:blip>
+          <a:stretch>
+            <a:fillRect/>
+          </a:stretch>
+        </p:blipFill>
+        <p:spPr>
+          <a:xfrm>
+            <a:off x="423949" y="2127453"/>
+            <a:ext cx="6794628" cy="4195762"/>
+          </a:xfrm>
+        </p:spPr>
+      </p:pic>
+    </p:spTree>
+    <p:extLst>
+      <p:ext uri="{BB962C8B-B14F-4D97-AF65-F5344CB8AC3E}">
+        <p14:creationId xmlns:p14="http://schemas.microsoft.com/office/powerpoint/2010/main" val="2637993677"/>
+      </p:ext>
+    </p:extLst>
+  </p:cSld>
+  <p:clrMapOvr>
+    <a:masterClrMapping/>
+  </p:clrMapOvr>
+</p:sld>
+</file>
+
+<file path=ppt/slides/slide12.xml><?xml version="1.0" encoding="utf-8"?>
 <p:sld xmlns:a="http://schemas.openxmlformats.org/drawingml/2006/main" xmlns:r="http://schemas.openxmlformats.org/officeDocument/2006/relationships" xmlns:p="http://schemas.openxmlformats.org/presentationml/2006/main">
   <p:cSld>
     <p:spTree>
@@ -8646,7 +8848,7 @@
 </p:sld>
 </file>
 
-<file path=ppt/slides/slide11.xml><?xml version="1.0" encoding="utf-8"?>
+<file path=ppt/slides/slide13.xml><?xml version="1.0" encoding="utf-8"?>
 <p:sld xmlns:a="http://schemas.openxmlformats.org/drawingml/2006/main" xmlns:r="http://schemas.openxmlformats.org/officeDocument/2006/relationships" xmlns:p="http://schemas.openxmlformats.org/presentationml/2006/main">
   <p:cSld>
     <p:spTree>
@@ -8830,7 +9032,7 @@
 </p:sld>
 </file>
 
-<file path=ppt/slides/slide12.xml><?xml version="1.0" encoding="utf-8"?>
+<file path=ppt/slides/slide14.xml><?xml version="1.0" encoding="utf-8"?>
 <p:sld xmlns:a="http://schemas.openxmlformats.org/drawingml/2006/main" xmlns:r="http://schemas.openxmlformats.org/officeDocument/2006/relationships" xmlns:p="http://schemas.openxmlformats.org/presentationml/2006/main">
   <p:cSld>
     <p:spTree>
@@ -9044,7 +9246,7 @@
 </p:sld>
 </file>
 
-<file path=ppt/slides/slide13.xml><?xml version="1.0" encoding="utf-8"?>
+<file path=ppt/slides/slide15.xml><?xml version="1.0" encoding="utf-8"?>
 <p:sld xmlns:a="http://schemas.openxmlformats.org/drawingml/2006/main" xmlns:r="http://schemas.openxmlformats.org/officeDocument/2006/relationships" xmlns:p="http://schemas.openxmlformats.org/presentationml/2006/main">
   <p:cSld>
     <p:spTree>
@@ -9155,7 +9357,7 @@
 </p:sld>
 </file>
 
-<file path=ppt/slides/slide14.xml><?xml version="1.0" encoding="utf-8"?>
+<file path=ppt/slides/slide16.xml><?xml version="1.0" encoding="utf-8"?>
 <p:sld xmlns:a="http://schemas.openxmlformats.org/drawingml/2006/main" xmlns:r="http://schemas.openxmlformats.org/officeDocument/2006/relationships" xmlns:p="http://schemas.openxmlformats.org/presentationml/2006/main">
   <p:cSld>
     <p:spTree>
@@ -9431,7 +9633,7 @@
         </p:spPr>
         <p:txBody>
           <a:bodyPr>
-            <a:normAutofit fontScale="92500" lnSpcReduction="10000"/>
+            <a:normAutofit/>
           </a:bodyPr>
           <a:lstStyle/>
           <a:p>
@@ -9452,20 +9654,32 @@
                 <a:latin typeface="Times New Roman" panose="02020603050405020304" pitchFamily="18" charset="0"/>
                 <a:cs typeface="Times New Roman" panose="02020603050405020304" pitchFamily="18" charset="0"/>
               </a:rPr>
-              <a:t>Разработать информационную подсистему электронной записи в организациях и учреждениях здравоохранения</a:t>
-            </a:r>
-          </a:p>
-          <a:p>
-            <a:pPr marL="0" indent="0">
-              <a:buNone/>
-            </a:pPr>
-            <a:r>
-              <a:rPr lang="ru-RU" sz="2200" b="1" dirty="0">
+              <a:t>Разработать информационную подсистему </a:t>
+            </a:r>
+            <a:r>
+              <a:rPr lang="ru-RU" sz="2200" dirty="0" smtClean="0">
+                <a:latin typeface="Times New Roman" panose="02020603050405020304" pitchFamily="18" charset="0"/>
+                <a:cs typeface="Times New Roman" panose="02020603050405020304" pitchFamily="18" charset="0"/>
+              </a:rPr>
+              <a:t>ресторана</a:t>
+            </a:r>
+            <a:endParaRPr lang="ru-RU" sz="2200" dirty="0">
+              <a:latin typeface="Times New Roman" panose="02020603050405020304" pitchFamily="18" charset="0"/>
+              <a:cs typeface="Times New Roman" panose="02020603050405020304" pitchFamily="18" charset="0"/>
+            </a:endParaRPr>
+          </a:p>
+          <a:p>
+            <a:r>
+              <a:rPr lang="ru-RU" sz="2200" b="1" dirty="0" smtClean="0">
                 <a:latin typeface="Times New Roman" panose="02020603050405020304" pitchFamily="18" charset="0"/>
                 <a:cs typeface="Times New Roman" panose="02020603050405020304" pitchFamily="18" charset="0"/>
               </a:rPr>
               <a:t>Задачи:</a:t>
             </a:r>
+            <a:endParaRPr lang="ru-RU" sz="2200" dirty="0">
+              <a:latin typeface="Times New Roman" panose="02020603050405020304" pitchFamily="18" charset="0"/>
+              <a:cs typeface="Times New Roman" panose="02020603050405020304" pitchFamily="18" charset="0"/>
+            </a:endParaRPr>
           </a:p>
           <a:p>
             <a:r>
@@ -9473,8 +9687,26 @@
                 <a:latin typeface="Times New Roman" panose="02020603050405020304" pitchFamily="18" charset="0"/>
                 <a:cs typeface="Times New Roman" panose="02020603050405020304" pitchFamily="18" charset="0"/>
               </a:rPr>
-              <a:t>Разработать базу данных;</a:t>
-            </a:r>
+              <a:t>Изучить понятие информационной </a:t>
+            </a:r>
+            <a:r>
+              <a:rPr lang="ru-RU" sz="2200" dirty="0" smtClean="0">
+                <a:latin typeface="Times New Roman" panose="02020603050405020304" pitchFamily="18" charset="0"/>
+                <a:cs typeface="Times New Roman" panose="02020603050405020304" pitchFamily="18" charset="0"/>
+              </a:rPr>
+              <a:t>системы</a:t>
+            </a:r>
+            <a:r>
+              <a:rPr lang="en-US" sz="2200" dirty="0" smtClean="0">
+                <a:latin typeface="Times New Roman" panose="02020603050405020304" pitchFamily="18" charset="0"/>
+                <a:cs typeface="Times New Roman" panose="02020603050405020304" pitchFamily="18" charset="0"/>
+              </a:rPr>
+              <a:t>;</a:t>
+            </a:r>
+            <a:endParaRPr lang="ru-RU" sz="2200" dirty="0">
+              <a:latin typeface="Times New Roman" panose="02020603050405020304" pitchFamily="18" charset="0"/>
+              <a:cs typeface="Times New Roman" panose="02020603050405020304" pitchFamily="18" charset="0"/>
+            </a:endParaRPr>
           </a:p>
           <a:p>
             <a:r>
@@ -9482,7 +9714,43 @@
                 <a:latin typeface="Times New Roman" panose="02020603050405020304" pitchFamily="18" charset="0"/>
                 <a:cs typeface="Times New Roman" panose="02020603050405020304" pitchFamily="18" charset="0"/>
               </a:rPr>
-              <a:t>Провести анализ </a:t>
+              <a:t>Выполнить анализ предметной области</a:t>
+            </a:r>
+            <a:r>
+              <a:rPr lang="ru-RU" sz="2200" dirty="0" smtClean="0">
+                <a:latin typeface="Times New Roman" panose="02020603050405020304" pitchFamily="18" charset="0"/>
+                <a:cs typeface="Times New Roman" panose="02020603050405020304" pitchFamily="18" charset="0"/>
+              </a:rPr>
+              <a:t>;</a:t>
+            </a:r>
+            <a:endParaRPr lang="ru-RU" sz="2200" b="1" dirty="0" smtClean="0">
+              <a:latin typeface="Times New Roman" panose="02020603050405020304" pitchFamily="18" charset="0"/>
+              <a:cs typeface="Times New Roman" panose="02020603050405020304" pitchFamily="18" charset="0"/>
+            </a:endParaRPr>
+          </a:p>
+          <a:p>
+            <a:r>
+              <a:rPr lang="ru-RU" sz="2200" dirty="0" smtClean="0">
+                <a:latin typeface="Times New Roman" panose="02020603050405020304" pitchFamily="18" charset="0"/>
+                <a:cs typeface="Times New Roman" panose="02020603050405020304" pitchFamily="18" charset="0"/>
+              </a:rPr>
+              <a:t>Разработать базу данных;</a:t>
+            </a:r>
+          </a:p>
+          <a:p>
+            <a:r>
+              <a:rPr lang="ru-RU" sz="2200" dirty="0" smtClean="0">
+                <a:latin typeface="Times New Roman" panose="02020603050405020304" pitchFamily="18" charset="0"/>
+                <a:cs typeface="Times New Roman" panose="02020603050405020304" pitchFamily="18" charset="0"/>
+              </a:rPr>
+              <a:t>Провести </a:t>
+            </a:r>
+            <a:r>
+              <a:rPr lang="ru-RU" sz="2200" dirty="0">
+                <a:latin typeface="Times New Roman" panose="02020603050405020304" pitchFamily="18" charset="0"/>
+                <a:cs typeface="Times New Roman" panose="02020603050405020304" pitchFamily="18" charset="0"/>
+              </a:rPr>
+              <a:t>анализ </a:t>
             </a:r>
             <a:r>
               <a:rPr lang="ru-RU" sz="2200" dirty="0" smtClean="0">
@@ -9498,43 +9766,19 @@
           </a:p>
           <a:p>
             <a:r>
-              <a:rPr lang="ru-RU" sz="2200" dirty="0">
-                <a:latin typeface="Times New Roman" panose="02020603050405020304" pitchFamily="18" charset="0"/>
-                <a:cs typeface="Times New Roman" panose="02020603050405020304" pitchFamily="18" charset="0"/>
-              </a:rPr>
-              <a:t>Выполнить анализ предметной области;</a:t>
-            </a:r>
-          </a:p>
-          <a:p>
-            <a:r>
-              <a:rPr lang="ru-RU" sz="2200" dirty="0">
-                <a:latin typeface="Times New Roman" panose="02020603050405020304" pitchFamily="18" charset="0"/>
-                <a:cs typeface="Times New Roman" panose="02020603050405020304" pitchFamily="18" charset="0"/>
-              </a:rPr>
-              <a:t>Изучить понятие, </a:t>
-            </a:r>
-            <a:r>
               <a:rPr lang="ru-RU" sz="2200" dirty="0" smtClean="0">
                 <a:latin typeface="Times New Roman" panose="02020603050405020304" pitchFamily="18" charset="0"/>
                 <a:cs typeface="Times New Roman" panose="02020603050405020304" pitchFamily="18" charset="0"/>
               </a:rPr>
-              <a:t>задачи персонала ресторана;</a:t>
-            </a:r>
-            <a:endParaRPr lang="ru-RU" sz="2200" dirty="0">
-              <a:latin typeface="Times New Roman" panose="02020603050405020304" pitchFamily="18" charset="0"/>
-              <a:cs typeface="Times New Roman" panose="02020603050405020304" pitchFamily="18" charset="0"/>
-            </a:endParaRPr>
-          </a:p>
-          <a:p>
-            <a:r>
-              <a:rPr lang="ru-RU" sz="2200" dirty="0">
+              <a:t>Изучить понятие, задачи персонала ресторана</a:t>
+            </a:r>
+            <a:r>
+              <a:rPr lang="en-US" sz="2200" dirty="0" smtClean="0">
                 <a:latin typeface="Times New Roman" panose="02020603050405020304" pitchFamily="18" charset="0"/>
                 <a:cs typeface="Times New Roman" panose="02020603050405020304" pitchFamily="18" charset="0"/>
               </a:rPr>
-              <a:t>Изучить понятие информационной системы.</a:t>
-            </a:r>
-          </a:p>
-          <a:p>
+              <a:t>.</a:t>
+            </a:r>
             <a:endParaRPr lang="ru-RU" dirty="0">
               <a:latin typeface="Times New Roman" panose="02020603050405020304" pitchFamily="18" charset="0"/>
               <a:cs typeface="Times New Roman" panose="02020603050405020304" pitchFamily="18" charset="0"/>
@@ -10136,6 +10380,129 @@
           <a:lstStyle/>
           <a:p>
             <a:r>
+              <a:rPr lang="ru-RU" dirty="0" smtClean="0"/>
+              <a:t>Подстановка данных в столбце</a:t>
+            </a:r>
+            <a:endParaRPr lang="ru-RU" dirty="0"/>
+          </a:p>
+        </p:txBody>
+      </p:sp>
+      <p:pic>
+        <p:nvPicPr>
+          <p:cNvPr id="4" name="Объект 3" descr="\\26k-10-dc10\studocredir\UC33_9\Мои документы\ShareX\Screenshots\2023-04\MSACCESS_aeg1Pe4Ou5.png"/>
+          <p:cNvPicPr>
+            <a:picLocks noGrp="1"/>
+          </p:cNvPicPr>
+          <p:nvPr>
+            <p:ph idx="1"/>
+          </p:nvPr>
+        </p:nvPicPr>
+        <p:blipFill>
+          <a:blip r:embed="rId2">
+            <a:extLst>
+              <a:ext uri="{28A0092B-C50C-407E-A947-70E740481C1C}">
+                <a14:useLocalDpi xmlns:a14="http://schemas.microsoft.com/office/drawing/2010/main" val="0"/>
+              </a:ext>
+            </a:extLst>
+          </a:blip>
+          <a:srcRect/>
+          <a:stretch>
+            <a:fillRect/>
+          </a:stretch>
+        </p:blipFill>
+        <p:spPr bwMode="auto">
+          <a:xfrm>
+            <a:off x="5348472" y="1853248"/>
+            <a:ext cx="5759997" cy="3611208"/>
+          </a:xfrm>
+          <a:prstGeom prst="rect">
+            <a:avLst/>
+          </a:prstGeom>
+          <a:noFill/>
+          <a:ln>
+            <a:noFill/>
+          </a:ln>
+        </p:spPr>
+      </p:pic>
+      <p:pic>
+        <p:nvPicPr>
+          <p:cNvPr id="6" name="Рисунок 5" descr="\\26k-10-dc10\studocredir\UC33_9\Мои документы\ShareX\Screenshots\2023-04\MSACCESS_cNcg3LFaDO.png"/>
+          <p:cNvPicPr/>
+          <p:nvPr/>
+        </p:nvPicPr>
+        <p:blipFill>
+          <a:blip r:embed="rId3">
+            <a:extLst>
+              <a:ext uri="{28A0092B-C50C-407E-A947-70E740481C1C}">
+                <a14:useLocalDpi xmlns:a14="http://schemas.microsoft.com/office/drawing/2010/main" val="0"/>
+              </a:ext>
+            </a:extLst>
+          </a:blip>
+          <a:srcRect/>
+          <a:stretch>
+            <a:fillRect/>
+          </a:stretch>
+        </p:blipFill>
+        <p:spPr bwMode="auto">
+          <a:xfrm>
+            <a:off x="646111" y="1853248"/>
+            <a:ext cx="4069080" cy="3200400"/>
+          </a:xfrm>
+          <a:prstGeom prst="rect">
+            <a:avLst/>
+          </a:prstGeom>
+          <a:noFill/>
+          <a:ln>
+            <a:noFill/>
+          </a:ln>
+        </p:spPr>
+      </p:pic>
+    </p:spTree>
+    <p:extLst>
+      <p:ext uri="{BB962C8B-B14F-4D97-AF65-F5344CB8AC3E}">
+        <p14:creationId xmlns:p14="http://schemas.microsoft.com/office/powerpoint/2010/main" val="2345485581"/>
+      </p:ext>
+    </p:extLst>
+  </p:cSld>
+  <p:clrMapOvr>
+    <a:masterClrMapping/>
+  </p:clrMapOvr>
+</p:sld>
+</file>
+
+<file path=ppt/slides/slide9.xml><?xml version="1.0" encoding="utf-8"?>
+<p:sld xmlns:a="http://schemas.openxmlformats.org/drawingml/2006/main" xmlns:r="http://schemas.openxmlformats.org/officeDocument/2006/relationships" xmlns:p="http://schemas.openxmlformats.org/presentationml/2006/main">
+  <p:cSld>
+    <p:spTree>
+      <p:nvGrpSpPr>
+        <p:cNvPr id="1" name=""/>
+        <p:cNvGrpSpPr/>
+        <p:nvPr/>
+      </p:nvGrpSpPr>
+      <p:grpSpPr>
+        <a:xfrm>
+          <a:off x="0" y="0"/>
+          <a:ext cx="0" cy="0"/>
+          <a:chOff x="0" y="0"/>
+          <a:chExt cx="0" cy="0"/>
+        </a:xfrm>
+      </p:grpSpPr>
+      <p:sp>
+        <p:nvSpPr>
+          <p:cNvPr id="2" name="Заголовок 1"/>
+          <p:cNvSpPr>
+            <a:spLocks noGrp="1"/>
+          </p:cNvSpPr>
+          <p:nvPr>
+            <p:ph type="title"/>
+          </p:nvPr>
+        </p:nvSpPr>
+        <p:spPr/>
+        <p:txBody>
+          <a:bodyPr/>
+          <a:lstStyle/>
+          <a:p>
+            <a:r>
               <a:rPr lang="ru-RU" dirty="0"/>
               <a:t>Создание запроса</a:t>
             </a:r>
@@ -10164,8 +10531,8 @@
         </p:blipFill>
         <p:spPr>
           <a:xfrm>
-            <a:off x="1052173" y="1853248"/>
-            <a:ext cx="2638793" cy="1162212"/>
+            <a:off x="370530" y="1705590"/>
+            <a:ext cx="3450576" cy="1519748"/>
           </a:xfrm>
           <a:prstGeom prst="rect">
             <a:avLst/>
@@ -10194,8 +10561,8 @@
         </p:blipFill>
         <p:spPr>
           <a:xfrm>
-            <a:off x="4330143" y="1853248"/>
-            <a:ext cx="2600688" cy="666843"/>
+            <a:off x="3930433" y="1770120"/>
+            <a:ext cx="4735178" cy="1214148"/>
           </a:xfrm>
           <a:prstGeom prst="rect">
             <a:avLst/>
@@ -10224,8 +10591,8 @@
         </p:blipFill>
         <p:spPr>
           <a:xfrm>
-            <a:off x="7570008" y="1853248"/>
-            <a:ext cx="4134427" cy="866896"/>
+            <a:off x="370530" y="3434774"/>
+            <a:ext cx="6533760" cy="1369982"/>
           </a:xfrm>
           <a:prstGeom prst="rect">
             <a:avLst/>
@@ -10254,8 +10621,8 @@
         </p:blipFill>
         <p:spPr>
           <a:xfrm>
-            <a:off x="8046324" y="4005881"/>
-            <a:ext cx="3181794" cy="1057423"/>
+            <a:off x="7074714" y="3434774"/>
+            <a:ext cx="4697588" cy="1561175"/>
           </a:xfrm>
           <a:prstGeom prst="rect">
             <a:avLst/>
@@ -10266,100 +10633,6 @@
     <p:extLst>
       <p:ext uri="{BB962C8B-B14F-4D97-AF65-F5344CB8AC3E}">
         <p14:creationId xmlns:p14="http://schemas.microsoft.com/office/powerpoint/2010/main" val="1932587166"/>
-      </p:ext>
-    </p:extLst>
-  </p:cSld>
-  <p:clrMapOvr>
-    <a:masterClrMapping/>
-  </p:clrMapOvr>
-  <p:timing>
-    <p:tnLst>
-      <p:par>
-        <p:cTn id="1" dur="indefinite" restart="never" nodeType="tmRoot"/>
-      </p:par>
-    </p:tnLst>
-  </p:timing>
-</p:sld>
-</file>
-
-<file path=ppt/slides/slide9.xml><?xml version="1.0" encoding="utf-8"?>
-<p:sld xmlns:a="http://schemas.openxmlformats.org/drawingml/2006/main" xmlns:r="http://schemas.openxmlformats.org/officeDocument/2006/relationships" xmlns:p="http://schemas.openxmlformats.org/presentationml/2006/main">
-  <p:cSld>
-    <p:spTree>
-      <p:nvGrpSpPr>
-        <p:cNvPr id="1" name=""/>
-        <p:cNvGrpSpPr/>
-        <p:nvPr/>
-      </p:nvGrpSpPr>
-      <p:grpSpPr>
-        <a:xfrm>
-          <a:off x="0" y="0"/>
-          <a:ext cx="0" cy="0"/>
-          <a:chOff x="0" y="0"/>
-          <a:chExt cx="0" cy="0"/>
-        </a:xfrm>
-      </p:grpSpPr>
-      <p:sp>
-        <p:nvSpPr>
-          <p:cNvPr id="2" name="Заголовок 1"/>
-          <p:cNvSpPr>
-            <a:spLocks noGrp="1"/>
-          </p:cNvSpPr>
-          <p:nvPr>
-            <p:ph type="title"/>
-          </p:nvPr>
-        </p:nvSpPr>
-        <p:spPr>
-          <a:xfrm>
-            <a:off x="535790" y="325514"/>
-            <a:ext cx="5537035" cy="837460"/>
-          </a:xfrm>
-        </p:spPr>
-        <p:txBody>
-          <a:bodyPr/>
-          <a:lstStyle/>
-          <a:p>
-            <a:r>
-              <a:rPr lang="ru-RU" dirty="0"/>
-              <a:t>Создание форм</a:t>
-            </a:r>
-          </a:p>
-        </p:txBody>
-      </p:sp>
-      <p:pic>
-        <p:nvPicPr>
-          <p:cNvPr id="6" name="Рисунок 5">
-            <a:extLst>
-              <a:ext uri="{FF2B5EF4-FFF2-40B4-BE49-F238E27FC236}">
-                <a16:creationId xmlns:a16="http://schemas.microsoft.com/office/drawing/2014/main" id="{415B0311-58D2-4E0C-924D-4790A3ECE4A2}"/>
-              </a:ext>
-            </a:extLst>
-          </p:cNvPr>
-          <p:cNvPicPr>
-            <a:picLocks noChangeAspect="1"/>
-          </p:cNvPicPr>
-          <p:nvPr/>
-        </p:nvPicPr>
-        <p:blipFill>
-          <a:blip r:embed="rId2"/>
-          <a:stretch>
-            <a:fillRect/>
-          </a:stretch>
-        </p:blipFill>
-        <p:spPr>
-          <a:xfrm>
-            <a:off x="883487" y="1329491"/>
-            <a:ext cx="7553262" cy="4199018"/>
-          </a:xfrm>
-          <a:prstGeom prst="rect">
-            <a:avLst/>
-          </a:prstGeom>
-        </p:spPr>
-      </p:pic>
-    </p:spTree>
-    <p:extLst>
-      <p:ext uri="{BB962C8B-B14F-4D97-AF65-F5344CB8AC3E}">
-        <p14:creationId xmlns:p14="http://schemas.microsoft.com/office/powerpoint/2010/main" val="567988303"/>
       </p:ext>
     </p:extLst>
   </p:cSld>
